--- a/Oscilloscope.pptx
+++ b/Oscilloscope.pptx
@@ -10,11 +10,10 @@
     <p:sldId id="258" r:id="rId4"/>
     <p:sldId id="259" r:id="rId5"/>
     <p:sldId id="260" r:id="rId6"/>
-    <p:sldId id="261" r:id="rId7"/>
-    <p:sldId id="262" r:id="rId8"/>
-    <p:sldId id="264" r:id="rId9"/>
-    <p:sldId id="265" r:id="rId10"/>
-    <p:sldId id="263" r:id="rId11"/>
+    <p:sldId id="262" r:id="rId7"/>
+    <p:sldId id="264" r:id="rId8"/>
+    <p:sldId id="265" r:id="rId9"/>
+    <p:sldId id="263" r:id="rId10"/>
   </p:sldIdLst>
   <p:sldSz cx="12192000" cy="6858000"/>
   <p:notesSz cx="6858000" cy="9144000"/>
@@ -113,6 +112,11 @@
       </a:defRPr>
     </a:lvl9pPr>
   </p:defaultTextStyle>
+  <p:extLst>
+    <p:ext uri="{EFAFB233-063F-42B5-8137-9DF3F51BA10A}">
+      <p15:sldGuideLst xmlns:p15="http://schemas.microsoft.com/office/powerpoint/2012/main"/>
+    </p:ext>
+  </p:extLst>
 </p:presentation>
 </file>
 
@@ -172,7 +176,7 @@
           </a:lstStyle>
           <a:p>
             <a:r>
-              <a:rPr lang="en-US" smtClean="0"/>
+              <a:rPr lang="en-US"/>
               <a:t>Click to edit Master title style</a:t>
             </a:r>
             <a:endParaRPr lang="en-US" dirty="0"/>
@@ -248,7 +252,7 @@
           </a:lstStyle>
           <a:p>
             <a:r>
-              <a:rPr lang="en-US" smtClean="0"/>
+              <a:rPr lang="en-US"/>
               <a:t>Click to edit Master subtitle style</a:t>
             </a:r>
             <a:endParaRPr lang="en-US" dirty="0"/>
@@ -286,7 +290,7 @@
             <a:fld id="{87DE6118-2437-4B30-8E3C-4D2BE6020583}" type="datetimeFigureOut">
               <a:rPr lang="en-US" dirty="0"/>
               <a:pPr/>
-              <a:t>01/15/19</a:t>
+              <a:t>1/16/2019</a:t>
             </a:fld>
             <a:endParaRPr lang="en-US" dirty="0"/>
           </a:p>
@@ -531,7 +535,7 @@
           <a:lstStyle/>
           <a:p>
             <a:r>
-              <a:rPr lang="en-US" smtClean="0"/>
+              <a:rPr lang="en-US"/>
               <a:t>Click to edit Master title style</a:t>
             </a:r>
             <a:endParaRPr lang="en-US" dirty="0"/>
@@ -560,35 +564,35 @@
           <a:p>
             <a:pPr lvl="0"/>
             <a:r>
-              <a:rPr lang="en-US" smtClean="0"/>
+              <a:rPr lang="en-US"/>
               <a:t>Click to edit Master text styles</a:t>
             </a:r>
           </a:p>
           <a:p>
             <a:pPr lvl="1"/>
             <a:r>
-              <a:rPr lang="en-US" smtClean="0"/>
+              <a:rPr lang="en-US"/>
               <a:t>Second level</a:t>
             </a:r>
           </a:p>
           <a:p>
             <a:pPr lvl="2"/>
             <a:r>
-              <a:rPr lang="en-US" smtClean="0"/>
+              <a:rPr lang="en-US"/>
               <a:t>Third level</a:t>
             </a:r>
           </a:p>
           <a:p>
             <a:pPr lvl="3"/>
             <a:r>
-              <a:rPr lang="en-US" smtClean="0"/>
+              <a:rPr lang="en-US"/>
               <a:t>Fourth level</a:t>
             </a:r>
           </a:p>
           <a:p>
             <a:pPr lvl="4"/>
             <a:r>
-              <a:rPr lang="en-US" smtClean="0"/>
+              <a:rPr lang="en-US"/>
               <a:t>Fifth level</a:t>
             </a:r>
             <a:endParaRPr lang="en-US" dirty="0"/>
@@ -612,7 +616,7 @@
           <a:p>
             <a:fld id="{87DE6118-2437-4B30-8E3C-4D2BE6020583}" type="datetimeFigureOut">
               <a:rPr lang="en-US" dirty="0"/>
-              <a:t>01/15/19</a:t>
+              <a:t>1/16/2019</a:t>
             </a:fld>
             <a:endParaRPr lang="en-US" dirty="0"/>
           </a:p>
@@ -706,7 +710,7 @@
           <a:lstStyle/>
           <a:p>
             <a:r>
-              <a:rPr lang="en-US" smtClean="0"/>
+              <a:rPr lang="en-US"/>
               <a:t>Click to edit Master title style</a:t>
             </a:r>
             <a:endParaRPr lang="en-US" dirty="0"/>
@@ -735,35 +739,35 @@
           <a:p>
             <a:pPr lvl="0"/>
             <a:r>
-              <a:rPr lang="en-US" smtClean="0"/>
+              <a:rPr lang="en-US"/>
               <a:t>Click to edit Master text styles</a:t>
             </a:r>
           </a:p>
           <a:p>
             <a:pPr lvl="1"/>
             <a:r>
-              <a:rPr lang="en-US" smtClean="0"/>
+              <a:rPr lang="en-US"/>
               <a:t>Second level</a:t>
             </a:r>
           </a:p>
           <a:p>
             <a:pPr lvl="2"/>
             <a:r>
-              <a:rPr lang="en-US" smtClean="0"/>
+              <a:rPr lang="en-US"/>
               <a:t>Third level</a:t>
             </a:r>
           </a:p>
           <a:p>
             <a:pPr lvl="3"/>
             <a:r>
-              <a:rPr lang="en-US" smtClean="0"/>
+              <a:rPr lang="en-US"/>
               <a:t>Fourth level</a:t>
             </a:r>
           </a:p>
           <a:p>
             <a:pPr lvl="4"/>
             <a:r>
-              <a:rPr lang="en-US" smtClean="0"/>
+              <a:rPr lang="en-US"/>
               <a:t>Fifth level</a:t>
             </a:r>
             <a:endParaRPr lang="en-US" dirty="0"/>
@@ -787,7 +791,7 @@
           <a:p>
             <a:fld id="{87DE6118-2437-4B30-8E3C-4D2BE6020583}" type="datetimeFigureOut">
               <a:rPr lang="en-US" dirty="0"/>
-              <a:t>01/15/19</a:t>
+              <a:t>1/16/2019</a:t>
             </a:fld>
             <a:endParaRPr lang="en-US" dirty="0"/>
           </a:p>
@@ -876,7 +880,7 @@
           <a:lstStyle/>
           <a:p>
             <a:r>
-              <a:rPr lang="en-US" smtClean="0"/>
+              <a:rPr lang="en-US"/>
               <a:t>Click to edit Master title style</a:t>
             </a:r>
             <a:endParaRPr lang="en-US" dirty="0"/>
@@ -900,35 +904,35 @@
           <a:p>
             <a:pPr lvl="0"/>
             <a:r>
-              <a:rPr lang="en-US" smtClean="0"/>
+              <a:rPr lang="en-US"/>
               <a:t>Click to edit Master text styles</a:t>
             </a:r>
           </a:p>
           <a:p>
             <a:pPr lvl="1"/>
             <a:r>
-              <a:rPr lang="en-US" smtClean="0"/>
+              <a:rPr lang="en-US"/>
               <a:t>Second level</a:t>
             </a:r>
           </a:p>
           <a:p>
             <a:pPr lvl="2"/>
             <a:r>
-              <a:rPr lang="en-US" smtClean="0"/>
+              <a:rPr lang="en-US"/>
               <a:t>Third level</a:t>
             </a:r>
           </a:p>
           <a:p>
             <a:pPr lvl="3"/>
             <a:r>
-              <a:rPr lang="en-US" smtClean="0"/>
+              <a:rPr lang="en-US"/>
               <a:t>Fourth level</a:t>
             </a:r>
           </a:p>
           <a:p>
             <a:pPr lvl="4"/>
             <a:r>
-              <a:rPr lang="en-US" smtClean="0"/>
+              <a:rPr lang="en-US"/>
               <a:t>Fifth level</a:t>
             </a:r>
             <a:endParaRPr lang="en-US" dirty="0"/>
@@ -952,7 +956,7 @@
           <a:p>
             <a:fld id="{87DE6118-2437-4B30-8E3C-4D2BE6020583}" type="datetimeFigureOut">
               <a:rPr lang="en-US" dirty="0"/>
-              <a:t>01/15/19</a:t>
+              <a:t>1/16/2019</a:t>
             </a:fld>
             <a:endParaRPr lang="en-US" dirty="0"/>
           </a:p>
@@ -1061,7 +1065,7 @@
           </a:lstStyle>
           <a:p>
             <a:r>
-              <a:rPr lang="en-US" smtClean="0"/>
+              <a:rPr lang="en-US"/>
               <a:t>Click to edit Master title style</a:t>
             </a:r>
             <a:endParaRPr lang="en-US" dirty="0"/>
@@ -1188,7 +1192,7 @@
           <a:p>
             <a:pPr lvl="0"/>
             <a:r>
-              <a:rPr lang="en-US" smtClean="0"/>
+              <a:rPr lang="en-US"/>
               <a:t>Click to edit Master text styles</a:t>
             </a:r>
           </a:p>
@@ -1225,7 +1229,7 @@
             <a:fld id="{87DE6118-2437-4B30-8E3C-4D2BE6020583}" type="datetimeFigureOut">
               <a:rPr lang="en-US" dirty="0"/>
               <a:pPr/>
-              <a:t>01/15/19</a:t>
+              <a:t>1/16/2019</a:t>
             </a:fld>
             <a:endParaRPr lang="en-US" dirty="0"/>
           </a:p>
@@ -1405,7 +1409,7 @@
           </a:lstStyle>
           <a:p>
             <a:r>
-              <a:rPr lang="en-US" smtClean="0"/>
+              <a:rPr lang="en-US"/>
               <a:t>Click to edit Master title style</a:t>
             </a:r>
             <a:endParaRPr lang="en-US" dirty="0"/>
@@ -1470,35 +1474,35 @@
           <a:p>
             <a:pPr lvl="0"/>
             <a:r>
-              <a:rPr lang="en-US" smtClean="0"/>
+              <a:rPr lang="en-US"/>
               <a:t>Click to edit Master text styles</a:t>
             </a:r>
           </a:p>
           <a:p>
             <a:pPr lvl="1"/>
             <a:r>
-              <a:rPr lang="en-US" smtClean="0"/>
+              <a:rPr lang="en-US"/>
               <a:t>Second level</a:t>
             </a:r>
           </a:p>
           <a:p>
             <a:pPr lvl="2"/>
             <a:r>
-              <a:rPr lang="en-US" smtClean="0"/>
+              <a:rPr lang="en-US"/>
               <a:t>Third level</a:t>
             </a:r>
           </a:p>
           <a:p>
             <a:pPr lvl="3"/>
             <a:r>
-              <a:rPr lang="en-US" smtClean="0"/>
+              <a:rPr lang="en-US"/>
               <a:t>Fourth level</a:t>
             </a:r>
           </a:p>
           <a:p>
             <a:pPr lvl="4"/>
             <a:r>
-              <a:rPr lang="en-US" smtClean="0"/>
+              <a:rPr lang="en-US"/>
               <a:t>Fifth level</a:t>
             </a:r>
             <a:endParaRPr lang="en-US" dirty="0"/>
@@ -1563,35 +1567,35 @@
           <a:p>
             <a:pPr lvl="0"/>
             <a:r>
-              <a:rPr lang="en-US" smtClean="0"/>
+              <a:rPr lang="en-US"/>
               <a:t>Click to edit Master text styles</a:t>
             </a:r>
           </a:p>
           <a:p>
             <a:pPr lvl="1"/>
             <a:r>
-              <a:rPr lang="en-US" smtClean="0"/>
+              <a:rPr lang="en-US"/>
               <a:t>Second level</a:t>
             </a:r>
           </a:p>
           <a:p>
             <a:pPr lvl="2"/>
             <a:r>
-              <a:rPr lang="en-US" smtClean="0"/>
+              <a:rPr lang="en-US"/>
               <a:t>Third level</a:t>
             </a:r>
           </a:p>
           <a:p>
             <a:pPr lvl="3"/>
             <a:r>
-              <a:rPr lang="en-US" smtClean="0"/>
+              <a:rPr lang="en-US"/>
               <a:t>Fourth level</a:t>
             </a:r>
           </a:p>
           <a:p>
             <a:pPr lvl="4"/>
             <a:r>
-              <a:rPr lang="en-US" smtClean="0"/>
+              <a:rPr lang="en-US"/>
               <a:t>Fifth level</a:t>
             </a:r>
             <a:endParaRPr lang="en-US" dirty="0"/>
@@ -1615,7 +1619,7 @@
           <a:p>
             <a:fld id="{87DE6118-2437-4B30-8E3C-4D2BE6020583}" type="datetimeFigureOut">
               <a:rPr lang="en-US" dirty="0"/>
-              <a:t>01/15/19</a:t>
+              <a:t>1/16/2019</a:t>
             </a:fld>
             <a:endParaRPr lang="en-US" dirty="0"/>
           </a:p>
@@ -1717,7 +1721,7 @@
           </a:lstStyle>
           <a:p>
             <a:r>
-              <a:rPr lang="en-US" smtClean="0"/>
+              <a:rPr lang="en-US"/>
               <a:t>Click to edit Master title style</a:t>
             </a:r>
             <a:endParaRPr lang="en-US" dirty="0"/>
@@ -1798,7 +1802,7 @@
           <a:p>
             <a:pPr lvl="0"/>
             <a:r>
-              <a:rPr lang="en-US" smtClean="0"/>
+              <a:rPr lang="en-US"/>
               <a:t>Click to edit Master text styles</a:t>
             </a:r>
           </a:p>
@@ -1862,35 +1866,35 @@
           <a:p>
             <a:pPr lvl="0"/>
             <a:r>
-              <a:rPr lang="en-US" smtClean="0"/>
+              <a:rPr lang="en-US"/>
               <a:t>Click to edit Master text styles</a:t>
             </a:r>
           </a:p>
           <a:p>
             <a:pPr lvl="1"/>
             <a:r>
-              <a:rPr lang="en-US" smtClean="0"/>
+              <a:rPr lang="en-US"/>
               <a:t>Second level</a:t>
             </a:r>
           </a:p>
           <a:p>
             <a:pPr lvl="2"/>
             <a:r>
-              <a:rPr lang="en-US" smtClean="0"/>
+              <a:rPr lang="en-US"/>
               <a:t>Third level</a:t>
             </a:r>
           </a:p>
           <a:p>
             <a:pPr lvl="3"/>
             <a:r>
-              <a:rPr lang="en-US" smtClean="0"/>
+              <a:rPr lang="en-US"/>
               <a:t>Fourth level</a:t>
             </a:r>
           </a:p>
           <a:p>
             <a:pPr lvl="4"/>
             <a:r>
-              <a:rPr lang="en-US" smtClean="0"/>
+              <a:rPr lang="en-US"/>
               <a:t>Fifth level</a:t>
             </a:r>
             <a:endParaRPr lang="en-US" dirty="0"/>
@@ -1971,7 +1975,7 @@
           <a:p>
             <a:pPr lvl="0"/>
             <a:r>
-              <a:rPr lang="en-US" smtClean="0"/>
+              <a:rPr lang="en-US"/>
               <a:t>Click to edit Master text styles</a:t>
             </a:r>
           </a:p>
@@ -2035,35 +2039,35 @@
           <a:p>
             <a:pPr lvl="0"/>
             <a:r>
-              <a:rPr lang="en-US" smtClean="0"/>
+              <a:rPr lang="en-US"/>
               <a:t>Click to edit Master text styles</a:t>
             </a:r>
           </a:p>
           <a:p>
             <a:pPr lvl="1"/>
             <a:r>
-              <a:rPr lang="en-US" smtClean="0"/>
+              <a:rPr lang="en-US"/>
               <a:t>Second level</a:t>
             </a:r>
           </a:p>
           <a:p>
             <a:pPr lvl="2"/>
             <a:r>
-              <a:rPr lang="en-US" smtClean="0"/>
+              <a:rPr lang="en-US"/>
               <a:t>Third level</a:t>
             </a:r>
           </a:p>
           <a:p>
             <a:pPr lvl="3"/>
             <a:r>
-              <a:rPr lang="en-US" smtClean="0"/>
+              <a:rPr lang="en-US"/>
               <a:t>Fourth level</a:t>
             </a:r>
           </a:p>
           <a:p>
             <a:pPr lvl="4"/>
             <a:r>
-              <a:rPr lang="en-US" smtClean="0"/>
+              <a:rPr lang="en-US"/>
               <a:t>Fifth level</a:t>
             </a:r>
             <a:endParaRPr lang="en-US" dirty="0"/>
@@ -2087,7 +2091,7 @@
           <a:p>
             <a:fld id="{87DE6118-2437-4B30-8E3C-4D2BE6020583}" type="datetimeFigureOut">
               <a:rPr lang="en-US" dirty="0"/>
-              <a:t>01/15/19</a:t>
+              <a:t>1/16/2019</a:t>
             </a:fld>
             <a:endParaRPr lang="en-US" dirty="0"/>
           </a:p>
@@ -2176,7 +2180,7 @@
           <a:lstStyle/>
           <a:p>
             <a:r>
-              <a:rPr lang="en-US" smtClean="0"/>
+              <a:rPr lang="en-US"/>
               <a:t>Click to edit Master title style</a:t>
             </a:r>
             <a:endParaRPr lang="en-US" dirty="0"/>
@@ -2200,7 +2204,7 @@
           <a:p>
             <a:fld id="{87DE6118-2437-4B30-8E3C-4D2BE6020583}" type="datetimeFigureOut">
               <a:rPr lang="en-US" dirty="0"/>
-              <a:t>01/15/19</a:t>
+              <a:t>1/16/2019</a:t>
             </a:fld>
             <a:endParaRPr lang="en-US" dirty="0"/>
           </a:p>
@@ -2290,7 +2294,7 @@
           <a:p>
             <a:fld id="{87DE6118-2437-4B30-8E3C-4D2BE6020583}" type="datetimeFigureOut">
               <a:rPr lang="en-US" dirty="0"/>
-              <a:t>01/15/19</a:t>
+              <a:t>1/16/2019</a:t>
             </a:fld>
             <a:endParaRPr lang="en-US" dirty="0"/>
           </a:p>
@@ -2435,7 +2439,7 @@
           </a:lstStyle>
           <a:p>
             <a:r>
-              <a:rPr lang="en-US" smtClean="0"/>
+              <a:rPr lang="en-US"/>
               <a:t>Click to edit Master title style</a:t>
             </a:r>
             <a:endParaRPr lang="en-US" dirty="0"/>
@@ -2492,35 +2496,35 @@
           <a:p>
             <a:pPr lvl="0"/>
             <a:r>
-              <a:rPr lang="en-US" smtClean="0"/>
+              <a:rPr lang="en-US"/>
               <a:t>Click to edit Master text styles</a:t>
             </a:r>
           </a:p>
           <a:p>
             <a:pPr lvl="1"/>
             <a:r>
-              <a:rPr lang="en-US" smtClean="0"/>
+              <a:rPr lang="en-US"/>
               <a:t>Second level</a:t>
             </a:r>
           </a:p>
           <a:p>
             <a:pPr lvl="2"/>
             <a:r>
-              <a:rPr lang="en-US" smtClean="0"/>
+              <a:rPr lang="en-US"/>
               <a:t>Third level</a:t>
             </a:r>
           </a:p>
           <a:p>
             <a:pPr lvl="3"/>
             <a:r>
-              <a:rPr lang="en-US" smtClean="0"/>
+              <a:rPr lang="en-US"/>
               <a:t>Fourth level</a:t>
             </a:r>
           </a:p>
           <a:p>
             <a:pPr lvl="4"/>
             <a:r>
-              <a:rPr lang="en-US" smtClean="0"/>
+              <a:rPr lang="en-US"/>
               <a:t>Fifth level</a:t>
             </a:r>
             <a:endParaRPr lang="en-US" dirty="0"/>
@@ -2595,7 +2599,7 @@
           <a:p>
             <a:pPr lvl="0"/>
             <a:r>
-              <a:rPr lang="en-US" smtClean="0"/>
+              <a:rPr lang="en-US"/>
               <a:t>Click to edit Master text styles</a:t>
             </a:r>
           </a:p>
@@ -2632,7 +2636,7 @@
             <a:fld id="{87DE6118-2437-4B30-8E3C-4D2BE6020583}" type="datetimeFigureOut">
               <a:rPr lang="en-US" dirty="0"/>
               <a:pPr/>
-              <a:t>01/15/19</a:t>
+              <a:t>1/16/2019</a:t>
             </a:fld>
             <a:endParaRPr lang="en-US" dirty="0"/>
           </a:p>
@@ -2838,7 +2842,7 @@
           </a:lstStyle>
           <a:p>
             <a:r>
-              <a:rPr lang="en-US" smtClean="0"/>
+              <a:rPr lang="en-US"/>
               <a:t>Click to edit Master title style</a:t>
             </a:r>
             <a:endParaRPr lang="en-US" dirty="0"/>
@@ -2905,7 +2909,7 @@
           </a:lstStyle>
           <a:p>
             <a:r>
-              <a:rPr lang="en-US" smtClean="0"/>
+              <a:rPr lang="en-US"/>
               <a:t>Click icon to add picture</a:t>
             </a:r>
             <a:endParaRPr lang="en-US" dirty="0"/>
@@ -2980,7 +2984,7 @@
           <a:p>
             <a:pPr lvl="0"/>
             <a:r>
-              <a:rPr lang="en-US" smtClean="0"/>
+              <a:rPr lang="en-US"/>
               <a:t>Click to edit Master text styles</a:t>
             </a:r>
           </a:p>
@@ -3017,7 +3021,7 @@
             <a:fld id="{87DE6118-2437-4B30-8E3C-4D2BE6020583}" type="datetimeFigureOut">
               <a:rPr lang="en-US" dirty="0"/>
               <a:pPr/>
-              <a:t>01/15/19</a:t>
+              <a:t>1/16/2019</a:t>
             </a:fld>
             <a:endParaRPr lang="en-US" dirty="0"/>
           </a:p>
@@ -3189,7 +3193,7 @@
           <a:lstStyle/>
           <a:p>
             <a:r>
-              <a:rPr lang="en-US" smtClean="0"/>
+              <a:rPr lang="en-US"/>
               <a:t>Click to edit Master title style</a:t>
             </a:r>
             <a:endParaRPr lang="en-US" dirty="0"/>
@@ -3223,35 +3227,35 @@
           <a:p>
             <a:pPr lvl="0"/>
             <a:r>
-              <a:rPr lang="en-US" smtClean="0"/>
+              <a:rPr lang="en-US"/>
               <a:t>Click to edit Master text styles</a:t>
             </a:r>
           </a:p>
           <a:p>
             <a:pPr lvl="1"/>
             <a:r>
-              <a:rPr lang="en-US" smtClean="0"/>
+              <a:rPr lang="en-US"/>
               <a:t>Second level</a:t>
             </a:r>
           </a:p>
           <a:p>
             <a:pPr lvl="2"/>
             <a:r>
-              <a:rPr lang="en-US" smtClean="0"/>
+              <a:rPr lang="en-US"/>
               <a:t>Third level</a:t>
             </a:r>
           </a:p>
           <a:p>
             <a:pPr lvl="3"/>
             <a:r>
-              <a:rPr lang="en-US" smtClean="0"/>
+              <a:rPr lang="en-US"/>
               <a:t>Fourth level</a:t>
             </a:r>
           </a:p>
           <a:p>
             <a:pPr lvl="4"/>
             <a:r>
-              <a:rPr lang="en-US" smtClean="0"/>
+              <a:rPr lang="en-US"/>
               <a:t>Fifth level</a:t>
             </a:r>
             <a:endParaRPr lang="en-US" dirty="0"/>
@@ -3292,7 +3296,7 @@
             <a:fld id="{87DE6118-2437-4B30-8E3C-4D2BE6020583}" type="datetimeFigureOut">
               <a:rPr lang="en-US" dirty="0"/>
               <a:pPr/>
-              <a:t>01/15/19</a:t>
+              <a:t>1/16/2019</a:t>
             </a:fld>
             <a:endParaRPr lang="en-US" dirty="0"/>
           </a:p>
@@ -3821,10 +3825,9 @@
           <a:lstStyle/>
           <a:p>
             <a:r>
-              <a:rPr lang="en-US" dirty="0" smtClean="0"/>
+              <a:rPr lang="en-US" dirty="0"/>
               <a:t>Oscilloscope</a:t>
             </a:r>
-            <a:endParaRPr lang="en-US" dirty="0"/>
           </a:p>
         </p:txBody>
       </p:sp>
@@ -3851,55 +3854,54 @@
           <a:lstStyle/>
           <a:p>
             <a:r>
-              <a:rPr lang="en-US" dirty="0" smtClean="0"/>
+              <a:rPr lang="en-US" dirty="0"/>
               <a:t>Authors:</a:t>
             </a:r>
           </a:p>
           <a:p>
             <a:r>
-              <a:rPr lang="en-US" dirty="0" smtClean="0"/>
+              <a:rPr lang="en-US" dirty="0"/>
               <a:t>     </a:t>
             </a:r>
             <a:r>
-              <a:rPr lang="en-US" dirty="0" err="1" smtClean="0"/>
+              <a:rPr lang="en-US" dirty="0" err="1"/>
               <a:t>Bufu</a:t>
             </a:r>
             <a:r>
-              <a:rPr lang="en-US" dirty="0" smtClean="0"/>
+              <a:rPr lang="en-US" dirty="0"/>
               <a:t> Mario</a:t>
             </a:r>
           </a:p>
           <a:p>
             <a:r>
-              <a:rPr lang="en-US" dirty="0" smtClean="0"/>
+              <a:rPr lang="en-US" dirty="0"/>
               <a:t>      </a:t>
             </a:r>
             <a:r>
-              <a:rPr lang="en-US" dirty="0" err="1" smtClean="0"/>
+              <a:rPr lang="en-US" dirty="0" err="1"/>
               <a:t>Bolfa</a:t>
             </a:r>
             <a:r>
-              <a:rPr lang="en-US" dirty="0" smtClean="0"/>
+              <a:rPr lang="en-US" dirty="0"/>
               <a:t> Larisa</a:t>
             </a:r>
           </a:p>
           <a:p>
-            <a:endParaRPr lang="en-US" dirty="0" smtClean="0"/>
-          </a:p>
-          <a:p>
-            <a:r>
-              <a:rPr lang="en-US" dirty="0" smtClean="0"/>
+            <a:endParaRPr lang="en-US" dirty="0"/>
+          </a:p>
+          <a:p>
+            <a:r>
+              <a:rPr lang="en-US" dirty="0"/>
               <a:t>-AES 1</a:t>
             </a:r>
             <a:r>
-              <a:rPr lang="en-US" baseline="30000" dirty="0" smtClean="0"/>
+              <a:rPr lang="en-US" baseline="30000" dirty="0"/>
               <a:t>st</a:t>
             </a:r>
             <a:r>
-              <a:rPr lang="en-US" dirty="0" smtClean="0"/>
+              <a:rPr lang="en-US" dirty="0"/>
               <a:t> year-</a:t>
             </a:r>
-            <a:endParaRPr lang="en-US" dirty="0"/>
           </a:p>
         </p:txBody>
       </p:sp>
@@ -3926,24 +3928,24 @@
           <a:lstStyle/>
           <a:p>
             <a:r>
-              <a:rPr lang="en-US" dirty="0" smtClean="0"/>
+              <a:rPr lang="en-US" dirty="0"/>
               <a:t>Coordinator:</a:t>
             </a:r>
           </a:p>
           <a:p>
             <a:r>
-              <a:rPr lang="en-US" dirty="0" err="1" smtClean="0"/>
+              <a:rPr lang="en-US" dirty="0" err="1"/>
               <a:t>Prof.Mirsu</a:t>
             </a:r>
             <a:r>
-              <a:rPr lang="en-US" dirty="0" smtClean="0"/>
+              <a:rPr lang="en-US" dirty="0"/>
               <a:t> </a:t>
             </a:r>
             <a:r>
-              <a:rPr lang="en-US" dirty="0" err="1" smtClean="0"/>
+              <a:rPr lang="en-US" dirty="0" err="1"/>
               <a:t>Radu</a:t>
             </a:r>
-            <a:endParaRPr lang="en-US" dirty="0" smtClean="0"/>
+            <a:endParaRPr lang="en-US" dirty="0"/>
           </a:p>
           <a:p>
             <a:endParaRPr lang="en-US" dirty="0"/>
@@ -3973,10 +3975,9 @@
           <a:lstStyle/>
           <a:p>
             <a:r>
-              <a:rPr lang="en-US" dirty="0" smtClean="0"/>
+              <a:rPr lang="en-US" dirty="0"/>
               <a:t>-2019-</a:t>
             </a:r>
-            <a:endParaRPr lang="en-US" dirty="0"/>
           </a:p>
         </p:txBody>
       </p:sp>
@@ -3990,146 +3991,6 @@
   <p:clrMapOvr>
     <a:masterClrMapping/>
   </p:clrMapOvr>
-  <p:timing>
-    <p:tnLst>
-      <p:par>
-        <p:cTn id="1" dur="indefinite" restart="never" nodeType="tmRoot"/>
-      </p:par>
-    </p:tnLst>
-  </p:timing>
-</p:sld>
-</file>
-
-<file path=ppt/slides/slide10.xml><?xml version="1.0" encoding="utf-8"?>
-<p:sld xmlns:a="http://schemas.openxmlformats.org/drawingml/2006/main" xmlns:r="http://schemas.openxmlformats.org/officeDocument/2006/relationships" xmlns:p="http://schemas.openxmlformats.org/presentationml/2006/main">
-  <p:cSld>
-    <p:spTree>
-      <p:nvGrpSpPr>
-        <p:cNvPr id="1" name=""/>
-        <p:cNvGrpSpPr/>
-        <p:nvPr/>
-      </p:nvGrpSpPr>
-      <p:grpSpPr>
-        <a:xfrm>
-          <a:off x="0" y="0"/>
-          <a:ext cx="0" cy="0"/>
-          <a:chOff x="0" y="0"/>
-          <a:chExt cx="0" cy="0"/>
-        </a:xfrm>
-      </p:grpSpPr>
-      <p:sp>
-        <p:nvSpPr>
-          <p:cNvPr id="2" name="Title 1"/>
-          <p:cNvSpPr>
-            <a:spLocks noGrp="1"/>
-          </p:cNvSpPr>
-          <p:nvPr>
-            <p:ph type="title"/>
-          </p:nvPr>
-        </p:nvSpPr>
-        <p:spPr/>
-        <p:txBody>
-          <a:bodyPr/>
-          <a:lstStyle/>
-          <a:p>
-            <a:r>
-              <a:rPr lang="en-US" dirty="0" smtClean="0"/>
-              <a:t>Bibliography</a:t>
-            </a:r>
-            <a:endParaRPr lang="en-US" dirty="0"/>
-          </a:p>
-        </p:txBody>
-      </p:sp>
-      <p:sp>
-        <p:nvSpPr>
-          <p:cNvPr id="3" name="Content Placeholder 2"/>
-          <p:cNvSpPr>
-            <a:spLocks noGrp="1"/>
-          </p:cNvSpPr>
-          <p:nvPr>
-            <p:ph idx="1"/>
-          </p:nvPr>
-        </p:nvSpPr>
-        <p:spPr/>
-        <p:txBody>
-          <a:bodyPr/>
-          <a:lstStyle/>
-          <a:p>
-            <a:pPr marL="457200" indent="-457200">
-              <a:buFont typeface="+mj-lt"/>
-              <a:buAutoNum type="arabicPeriod"/>
-            </a:pPr>
-            <a:r>
-              <a:rPr lang="en-US" dirty="0">
-                <a:hlinkClick r:id="rId2"/>
-              </a:rPr>
-              <a:t>http://</a:t>
-            </a:r>
-            <a:r>
-              <a:rPr lang="en-US" dirty="0" smtClean="0">
-                <a:hlinkClick r:id="rId2"/>
-              </a:rPr>
-              <a:t>shukra.cedt.iisc.ernet.in/edwiki/EmSys:ADC_Programming_with_the_Tiva_TM4C123G</a:t>
-            </a:r>
-            <a:endParaRPr lang="en-US" dirty="0" smtClean="0"/>
-          </a:p>
-          <a:p>
-            <a:pPr marL="457200" indent="-457200">
-              <a:buFont typeface="+mj-lt"/>
-              <a:buAutoNum type="arabicPeriod"/>
-            </a:pPr>
-            <a:r>
-              <a:rPr lang="en-US" dirty="0">
-                <a:hlinkClick r:id="rId3"/>
-              </a:rPr>
-              <a:t>https://</a:t>
-            </a:r>
-            <a:r>
-              <a:rPr lang="en-US" dirty="0" smtClean="0">
-                <a:hlinkClick r:id="rId3"/>
-              </a:rPr>
-              <a:t>www.engr.colostate.edu/ECE251/Labs/TM4C_datasheet_ADC.pdf</a:t>
-            </a:r>
-            <a:endParaRPr lang="en-US" dirty="0" smtClean="0"/>
-          </a:p>
-          <a:p>
-            <a:pPr marL="457200" indent="-457200">
-              <a:buFont typeface="+mj-lt"/>
-              <a:buAutoNum type="arabicPeriod"/>
-            </a:pPr>
-            <a:r>
-              <a:rPr lang="en-US" dirty="0">
-                <a:hlinkClick r:id="rId4"/>
-              </a:rPr>
-              <a:t>https://processing.org</a:t>
-            </a:r>
-            <a:r>
-              <a:rPr lang="en-US" dirty="0" smtClean="0">
-                <a:hlinkClick r:id="rId4"/>
-              </a:rPr>
-              <a:t>/</a:t>
-            </a:r>
-            <a:endParaRPr lang="en-US" dirty="0" smtClean="0"/>
-          </a:p>
-        </p:txBody>
-      </p:sp>
-    </p:spTree>
-    <p:extLst>
-      <p:ext uri="{BB962C8B-B14F-4D97-AF65-F5344CB8AC3E}">
-        <p14:creationId xmlns:p14="http://schemas.microsoft.com/office/powerpoint/2010/main" val="1075770607"/>
-      </p:ext>
-    </p:extLst>
-  </p:cSld>
-  <p:clrMapOvr>
-    <a:masterClrMapping/>
-  </p:clrMapOvr>
-  <p:timing>
-    <p:tnLst>
-      <p:par>
-        <p:cTn id="1" dur="indefinite" restart="never" nodeType="tmRoot"/>
-      </p:par>
-    </p:tnLst>
-  </p:timing>
 </p:sld>
 </file>
 
@@ -4166,10 +4027,9 @@
           <a:lstStyle/>
           <a:p>
             <a:r>
-              <a:rPr lang="en-US" dirty="0" smtClean="0"/>
+              <a:rPr lang="en-US" dirty="0"/>
               <a:t>Content</a:t>
             </a:r>
-            <a:endParaRPr lang="en-US" dirty="0"/>
           </a:p>
         </p:txBody>
       </p:sp>
@@ -4193,7 +4053,7 @@
               <a:buAutoNum type="arabicPeriod"/>
             </a:pPr>
             <a:r>
-              <a:rPr lang="en-US" dirty="0" smtClean="0"/>
+              <a:rPr lang="en-US" dirty="0"/>
               <a:t>Project scope and objectives</a:t>
             </a:r>
           </a:p>
@@ -4203,8 +4063,8 @@
               <a:buAutoNum type="arabicPeriod"/>
             </a:pPr>
             <a:r>
-              <a:rPr lang="en-US" dirty="0" smtClean="0"/>
-              <a:t>Hardware platform</a:t>
+              <a:rPr lang="en-US" dirty="0"/>
+              <a:t>Hardware</a:t>
             </a:r>
           </a:p>
           <a:p>
@@ -4216,7 +4076,6 @@
               <a:rPr lang="en-US" dirty="0"/>
               <a:t>Experimental results</a:t>
             </a:r>
-            <a:endParaRPr lang="en-US" dirty="0" smtClean="0"/>
           </a:p>
           <a:p>
             <a:pPr marL="457200" indent="-457200">
@@ -4224,18 +4083,17 @@
               <a:buAutoNum type="arabicPeriod"/>
             </a:pPr>
             <a:r>
-              <a:rPr lang="en-US" dirty="0" smtClean="0"/>
-              <a:t>Conclusions</a:t>
-            </a:r>
-          </a:p>
-          <a:p>
-            <a:pPr marL="457200" indent="-457200">
-              <a:buFont typeface="+mj-lt"/>
-              <a:buAutoNum type="arabicPeriod"/>
+              <a:rPr lang="en-US" dirty="0"/>
+              <a:t>Annexes</a:t>
+            </a:r>
+          </a:p>
+          <a:p>
+            <a:pPr marL="0" indent="0">
+              <a:buNone/>
             </a:pPr>
             <a:r>
-              <a:rPr lang="en-US" dirty="0" smtClean="0"/>
-              <a:t>Annexes</a:t>
+              <a:rPr lang="en-US" dirty="0"/>
+              <a:t>	5.1.  Source Code-Code Composer </a:t>
             </a:r>
           </a:p>
           <a:p>
@@ -4243,14 +4101,9 @@
               <a:buNone/>
             </a:pPr>
             <a:r>
-              <a:rPr lang="en-US" dirty="0" smtClean="0"/>
-              <a:t>	5.1.  Source </a:t>
-            </a:r>
-            <a:r>
               <a:rPr lang="en-US" dirty="0"/>
-              <a:t>Code-Code Composer </a:t>
-            </a:r>
-            <a:endParaRPr lang="en-US" dirty="0" smtClean="0"/>
+              <a:t>	5.2.  Source Code-Processing</a:t>
+            </a:r>
           </a:p>
           <a:p>
             <a:pPr marL="0" indent="0">
@@ -4258,22 +4111,8 @@
             </a:pPr>
             <a:r>
               <a:rPr lang="en-US" dirty="0"/>
-              <a:t>	</a:t>
-            </a:r>
-            <a:r>
-              <a:rPr lang="en-US" dirty="0" smtClean="0"/>
-              <a:t>5.2.  Source Code-Processing</a:t>
-            </a:r>
-          </a:p>
-          <a:p>
-            <a:pPr marL="0" indent="0">
-              <a:buNone/>
-            </a:pPr>
-            <a:r>
-              <a:rPr lang="en-US" dirty="0" smtClean="0"/>
               <a:t>6.    Bibliography</a:t>
             </a:r>
-            <a:endParaRPr lang="en-US" dirty="0"/>
           </a:p>
         </p:txBody>
       </p:sp>
@@ -4287,13 +4126,6 @@
   <p:clrMapOvr>
     <a:masterClrMapping/>
   </p:clrMapOvr>
-  <p:timing>
-    <p:tnLst>
-      <p:par>
-        <p:cTn id="1" dur="indefinite" restart="never" nodeType="tmRoot"/>
-      </p:par>
-    </p:tnLst>
-  </p:timing>
 </p:sld>
 </file>
 
@@ -4337,10 +4169,9 @@
           <a:lstStyle/>
           <a:p>
             <a:r>
-              <a:rPr lang="en-US" dirty="0" smtClean="0"/>
+              <a:rPr lang="en-US" dirty="0"/>
               <a:t>Project scope and objectives:</a:t>
             </a:r>
-            <a:endParaRPr lang="en-US" dirty="0"/>
           </a:p>
         </p:txBody>
       </p:sp>
@@ -4367,10 +4198,9 @@
           <a:lstStyle/>
           <a:p>
             <a:r>
-              <a:rPr lang="en-US" sz="2800" dirty="0" smtClean="0"/>
+              <a:rPr lang="en-US" sz="2800" dirty="0"/>
               <a:t>The purpose of this project is to simulate an oscilloscope using a TIVA board. The input signal will be transmitted from the PCB via USB to a PC, where it can be visualized real-time.</a:t>
             </a:r>
-            <a:endParaRPr lang="en-US" sz="2800" dirty="0"/>
           </a:p>
         </p:txBody>
       </p:sp>
@@ -4414,16 +4244,20 @@
             <p:ph type="title"/>
           </p:nvPr>
         </p:nvSpPr>
-        <p:spPr/>
+        <p:spPr>
+          <a:xfrm>
+            <a:off x="1405156" y="282696"/>
+            <a:ext cx="9601200" cy="1134611"/>
+          </a:xfrm>
+        </p:spPr>
         <p:txBody>
           <a:bodyPr/>
           <a:lstStyle/>
           <a:p>
             <a:r>
-              <a:rPr lang="en-US" dirty="0" smtClean="0"/>
+              <a:rPr lang="en-US" dirty="0"/>
               <a:t>Hardware:</a:t>
             </a:r>
-            <a:endParaRPr lang="en-US" dirty="0"/>
           </a:p>
         </p:txBody>
       </p:sp>
@@ -4439,8 +4273,8 @@
         </p:nvSpPr>
         <p:spPr>
           <a:xfrm>
-            <a:off x="1371600" y="2685245"/>
-            <a:ext cx="3741313" cy="3908738"/>
+            <a:off x="1185644" y="1119069"/>
+            <a:ext cx="7060734" cy="2790202"/>
           </a:xfrm>
         </p:spPr>
         <p:txBody>
@@ -4448,30 +4282,75 @@
           <a:lstStyle/>
           <a:p>
             <a:r>
-              <a:rPr lang="en-US" dirty="0" smtClean="0"/>
-              <a:t>The hardware used is: </a:t>
-            </a:r>
+              <a:rPr lang="en-US" sz="1800" dirty="0"/>
+              <a:t>The hardware used is </a:t>
+            </a:r>
+            <a:r>
+              <a:rPr lang="en-US" sz="1800" dirty="0" err="1"/>
+              <a:t>Tiva</a:t>
+            </a:r>
+            <a:r>
+              <a:rPr lang="en-US" sz="1800" dirty="0"/>
+              <a:t> C Series TM4C123G.</a:t>
+            </a:r>
+          </a:p>
+          <a:p>
+            <a:r>
+              <a:rPr lang="en-US" sz="1800" dirty="0"/>
+              <a:t>Features of ADC modules:</a:t>
+            </a:r>
+          </a:p>
+          <a:p>
+            <a:pPr>
+              <a:buFont typeface="Wingdings" panose="05000000000000000000" pitchFamily="2" charset="2"/>
+              <a:buChar char="Ø"/>
+            </a:pPr>
+            <a:r>
+              <a:rPr lang="en-US" sz="1600" b="1" dirty="0"/>
+              <a:t>12 shared analog input channels</a:t>
+            </a:r>
+          </a:p>
+          <a:p>
+            <a:pPr>
+              <a:buFont typeface="Wingdings" panose="05000000000000000000" pitchFamily="2" charset="2"/>
+              <a:buChar char="Ø"/>
+            </a:pPr>
+            <a:r>
+              <a:rPr lang="en-US" sz="1600" b="1" dirty="0"/>
+              <a:t>12-bit precision ADC</a:t>
+            </a:r>
+          </a:p>
+          <a:p>
+            <a:pPr>
+              <a:buFont typeface="Wingdings" panose="05000000000000000000" pitchFamily="2" charset="2"/>
+              <a:buChar char="Ø"/>
+            </a:pPr>
+            <a:r>
+              <a:rPr lang="en-US" sz="1600" b="1" dirty="0"/>
+              <a:t>Single-ended and differential-input configurations</a:t>
+            </a:r>
+          </a:p>
+          <a:p>
+            <a:pPr>
+              <a:buFont typeface="Wingdings" panose="05000000000000000000" pitchFamily="2" charset="2"/>
+              <a:buChar char="Ø"/>
+            </a:pPr>
+            <a:r>
+              <a:rPr lang="en-US" sz="1600" b="1" dirty="0"/>
+              <a:t>Flexible trigger control: Controller (SW), Timers, Analog Comparators, PWM, GPIO</a:t>
+            </a:r>
+          </a:p>
+          <a:p>
+            <a:pPr>
+              <a:buFont typeface="Wingdings" panose="05000000000000000000" pitchFamily="2" charset="2"/>
+              <a:buChar char="Ø"/>
+            </a:pPr>
+            <a:endParaRPr lang="en-US" b="1" dirty="0"/>
           </a:p>
           <a:p>
             <a:pPr marL="0" indent="0">
               <a:buNone/>
             </a:pPr>
-            <a:r>
-              <a:rPr lang="en-US" dirty="0"/>
-              <a:t> </a:t>
-            </a:r>
-            <a:r>
-              <a:rPr lang="en-US" dirty="0" smtClean="0"/>
-              <a:t>   </a:t>
-            </a:r>
-            <a:r>
-              <a:rPr lang="en-US" dirty="0" err="1" smtClean="0"/>
-              <a:t>Tiva</a:t>
-            </a:r>
-            <a:r>
-              <a:rPr lang="en-US" dirty="0" smtClean="0"/>
-              <a:t> C Series TM4C123G</a:t>
-            </a:r>
             <a:endParaRPr lang="en-US" dirty="0"/>
           </a:p>
         </p:txBody>
@@ -4498,14 +4377,244 @@
         </p:blipFill>
         <p:spPr>
           <a:xfrm>
-            <a:off x="6303584" y="774257"/>
-            <a:ext cx="4143953" cy="5420481"/>
+            <a:off x="8623426" y="687222"/>
+            <a:ext cx="3057292" cy="3999079"/>
           </a:xfrm>
           <a:prstGeom prst="rect">
             <a:avLst/>
           </a:prstGeom>
         </p:spPr>
       </p:pic>
+      <mc:AlternateContent xmlns:mc="http://schemas.openxmlformats.org/markup-compatibility/2006" xmlns:a14="http://schemas.microsoft.com/office/drawing/2010/main">
+        <mc:Choice Requires="a14">
+          <p:sp>
+            <p:nvSpPr>
+              <p:cNvPr id="4" name="TextBox 3">
+                <a:extLst>
+                  <a:ext uri="{FF2B5EF4-FFF2-40B4-BE49-F238E27FC236}">
+                    <a16:creationId xmlns:a16="http://schemas.microsoft.com/office/drawing/2014/main" id="{31407BCF-959E-4EDA-9A81-5B4E9BDF5C76}"/>
+                  </a:ext>
+                </a:extLst>
+              </p:cNvPr>
+              <p:cNvSpPr txBox="1"/>
+              <p:nvPr/>
+            </p:nvSpPr>
+            <p:spPr>
+              <a:xfrm>
+                <a:off x="1547768" y="4048738"/>
+                <a:ext cx="8795857" cy="2468433"/>
+              </a:xfrm>
+              <a:prstGeom prst="rect">
+                <a:avLst/>
+              </a:prstGeom>
+              <a:noFill/>
+            </p:spPr>
+            <p:txBody>
+              <a:bodyPr wrap="square" rtlCol="0">
+                <a:spAutoFit/>
+              </a:bodyPr>
+              <a:lstStyle/>
+              <a:p>
+                <a:r>
+                  <a:rPr lang="en-US" sz="2000" b="1" dirty="0"/>
+                  <a:t>ADC step size calculation</a:t>
+                </a:r>
+                <a:r>
+                  <a:rPr lang="en-US" dirty="0"/>
+                  <a:t>:</a:t>
+                </a:r>
+              </a:p>
+              <a:p>
+                <a:pPr marL="285750" indent="-285750">
+                  <a:buFont typeface="Arial" panose="020B0604020202020204" pitchFamily="34" charset="0"/>
+                  <a:buChar char="•"/>
+                </a:pPr>
+                <a:r>
+                  <a:rPr lang="en-US" dirty="0"/>
+                  <a:t> Resolution: 12 bits</a:t>
+                </a:r>
+              </a:p>
+              <a:p>
+                <a:pPr marL="285750" indent="-285750">
+                  <a:buFont typeface="Arial" panose="020B0604020202020204" pitchFamily="34" charset="0"/>
+                  <a:buChar char="•"/>
+                </a:pPr>
+                <a:r>
+                  <a:rPr lang="en-US" dirty="0"/>
+                  <a:t>Step size calculation:</a:t>
+                </a:r>
+              </a:p>
+              <a:p>
+                <a:r>
+                  <a:rPr lang="en-US" dirty="0"/>
+                  <a:t> </a:t>
+                </a:r>
+                <a14:m>
+                  <m:oMath xmlns:m="http://schemas.openxmlformats.org/officeDocument/2006/math">
+                    <m:sSup>
+                      <m:sSupPr>
+                        <m:ctrlPr>
+                          <a:rPr lang="en-US" i="1">
+                            <a:latin typeface="Cambria Math" panose="02040503050406030204" pitchFamily="18" charset="0"/>
+                          </a:rPr>
+                        </m:ctrlPr>
+                      </m:sSupPr>
+                      <m:e>
+                        <m:r>
+                          <a:rPr lang="en-US" b="0" i="1" smtClean="0">
+                            <a:latin typeface="Cambria Math" panose="02040503050406030204" pitchFamily="18" charset="0"/>
+                          </a:rPr>
+                          <m:t>       </m:t>
+                        </m:r>
+                        <m:r>
+                          <a:rPr lang="en-US" i="1">
+                            <a:latin typeface="Cambria Math" panose="02040503050406030204" pitchFamily="18" charset="0"/>
+                          </a:rPr>
+                          <m:t>2</m:t>
+                        </m:r>
+                      </m:e>
+                      <m:sup>
+                        <m:r>
+                          <a:rPr lang="en-US" i="1">
+                            <a:latin typeface="Cambria Math" panose="02040503050406030204" pitchFamily="18" charset="0"/>
+                          </a:rPr>
+                          <m:t>12</m:t>
+                        </m:r>
+                      </m:sup>
+                    </m:sSup>
+                  </m:oMath>
+                </a14:m>
+                <a:r>
+                  <a:rPr lang="en-US" dirty="0"/>
+                  <a:t> – 1 = 4095 different values</a:t>
+                </a:r>
+              </a:p>
+              <a:p>
+                <a:r>
+                  <a:rPr lang="en-US" dirty="0"/>
+                  <a:t>       For 4095 values, an input voltage of 3.3V corresponds.</a:t>
+                </a:r>
+              </a:p>
+              <a:p>
+                <a:r>
+                  <a:rPr lang="en-US" dirty="0"/>
+                  <a:t>       </a:t>
+                </a:r>
+                <a14:m>
+                  <m:oMath xmlns:m="http://schemas.openxmlformats.org/officeDocument/2006/math">
+                    <m:f>
+                      <m:fPr>
+                        <m:ctrlPr>
+                          <a:rPr lang="en-US" i="1">
+                            <a:latin typeface="Cambria Math" panose="02040503050406030204" pitchFamily="18" charset="0"/>
+                          </a:rPr>
+                        </m:ctrlPr>
+                      </m:fPr>
+                      <m:num>
+                        <m:r>
+                          <a:rPr lang="en-US" i="1">
+                            <a:latin typeface="Cambria Math" panose="02040503050406030204" pitchFamily="18" charset="0"/>
+                          </a:rPr>
+                          <m:t>3.3</m:t>
+                        </m:r>
+                        <m:r>
+                          <a:rPr lang="en-US" i="1">
+                            <a:latin typeface="Cambria Math" panose="02040503050406030204" pitchFamily="18" charset="0"/>
+                          </a:rPr>
+                          <m:t>𝑉</m:t>
+                        </m:r>
+                      </m:num>
+                      <m:den>
+                        <m:r>
+                          <a:rPr lang="en-US" i="1">
+                            <a:latin typeface="Cambria Math" panose="02040503050406030204" pitchFamily="18" charset="0"/>
+                          </a:rPr>
+                          <m:t>4095</m:t>
+                        </m:r>
+                      </m:den>
+                    </m:f>
+                    <m:r>
+                      <a:rPr lang="en-US" i="1">
+                        <a:latin typeface="Cambria Math" panose="02040503050406030204" pitchFamily="18" charset="0"/>
+                      </a:rPr>
+                      <m:t>=0.0008</m:t>
+                    </m:r>
+                    <m:r>
+                      <a:rPr lang="en-US" i="1">
+                        <a:latin typeface="Cambria Math" panose="02040503050406030204" pitchFamily="18" charset="0"/>
+                      </a:rPr>
+                      <m:t>𝑉</m:t>
+                    </m:r>
+                    <m:r>
+                      <a:rPr lang="en-US" i="1">
+                        <a:latin typeface="Cambria Math" panose="02040503050406030204" pitchFamily="18" charset="0"/>
+                      </a:rPr>
+                      <m:t>=0.8</m:t>
+                    </m:r>
+                    <m:r>
+                      <a:rPr lang="en-US" i="1">
+                        <a:latin typeface="Cambria Math" panose="02040503050406030204" pitchFamily="18" charset="0"/>
+                      </a:rPr>
+                      <m:t>𝑚𝑉</m:t>
+                    </m:r>
+                  </m:oMath>
+                </a14:m>
+                <a:endParaRPr lang="en-US" dirty="0"/>
+              </a:p>
+              <a:p>
+                <a:endParaRPr lang="en-US" dirty="0"/>
+              </a:p>
+              <a:p>
+                <a:endParaRPr lang="en-US" dirty="0"/>
+              </a:p>
+            </p:txBody>
+          </p:sp>
+        </mc:Choice>
+        <mc:Fallback xmlns="">
+          <p:sp>
+            <p:nvSpPr>
+              <p:cNvPr id="4" name="TextBox 3">
+                <a:extLst>
+                  <a:ext uri="{FF2B5EF4-FFF2-40B4-BE49-F238E27FC236}">
+                    <a16:creationId xmlns:a16="http://schemas.microsoft.com/office/drawing/2014/main" id="{31407BCF-959E-4EDA-9A81-5B4E9BDF5C76}"/>
+                  </a:ext>
+                </a:extLst>
+              </p:cNvPr>
+              <p:cNvSpPr txBox="1">
+                <a:spLocks noRot="1" noChangeAspect="1" noMove="1" noResize="1" noEditPoints="1" noAdjustHandles="1" noChangeArrowheads="1" noChangeShapeType="1" noTextEdit="1"/>
+              </p:cNvSpPr>
+              <p:nvPr/>
+            </p:nvSpPr>
+            <p:spPr>
+              <a:xfrm>
+                <a:off x="1547768" y="4048738"/>
+                <a:ext cx="8795857" cy="2468433"/>
+              </a:xfrm>
+              <a:prstGeom prst="rect">
+                <a:avLst/>
+              </a:prstGeom>
+              <a:blipFill>
+                <a:blip r:embed="rId3"/>
+                <a:stretch>
+                  <a:fillRect l="-762" t="-1235"/>
+                </a:stretch>
+              </a:blipFill>
+            </p:spPr>
+            <p:txBody>
+              <a:bodyPr/>
+              <a:lstStyle/>
+              <a:p>
+                <a:r>
+                  <a:rPr lang="en-US">
+                    <a:noFill/>
+                  </a:rPr>
+                  <a:t> </a:t>
+                </a:r>
+              </a:p>
+            </p:txBody>
+          </p:sp>
+        </mc:Fallback>
+      </mc:AlternateContent>
     </p:spTree>
     <p:extLst>
       <p:ext uri="{BB962C8B-B14F-4D97-AF65-F5344CB8AC3E}">
@@ -4552,10 +4661,9 @@
           <a:lstStyle/>
           <a:p>
             <a:r>
-              <a:rPr lang="en-US" dirty="0" smtClean="0"/>
+              <a:rPr lang="en-US" dirty="0"/>
               <a:t>Experimental results</a:t>
             </a:r>
-            <a:endParaRPr lang="en-US" dirty="0"/>
           </a:p>
         </p:txBody>
       </p:sp>
@@ -4618,16 +4726,20 @@
             <p:ph type="title"/>
           </p:nvPr>
         </p:nvSpPr>
-        <p:spPr/>
+        <p:spPr>
+          <a:xfrm>
+            <a:off x="1023871" y="284409"/>
+            <a:ext cx="2286000" cy="758244"/>
+          </a:xfrm>
+        </p:spPr>
         <p:txBody>
           <a:bodyPr/>
           <a:lstStyle/>
           <a:p>
             <a:r>
-              <a:rPr lang="en-US" dirty="0" smtClean="0"/>
-              <a:t>Conclusions</a:t>
-            </a:r>
-            <a:endParaRPr lang="en-US" dirty="0"/>
+              <a:rPr lang="en-US" dirty="0"/>
+              <a:t>Annexes</a:t>
+            </a:r>
           </a:p>
         </p:txBody>
       </p:sp>
@@ -4641,32 +4753,79 @@
             <p:ph idx="1"/>
           </p:nvPr>
         </p:nvSpPr>
-        <p:spPr/>
+        <p:spPr>
+          <a:xfrm>
+            <a:off x="1106998" y="2317271"/>
+            <a:ext cx="4050406" cy="444321"/>
+          </a:xfrm>
+        </p:spPr>
         <p:txBody>
           <a:bodyPr/>
           <a:lstStyle/>
           <a:p>
-            <a:endParaRPr lang="en-US"/>
-          </a:p>
-        </p:txBody>
-      </p:sp>
+            <a:pPr marL="457200" indent="-457200">
+              <a:buFont typeface="+mj-lt"/>
+              <a:buAutoNum type="arabicPeriod"/>
+            </a:pPr>
+            <a:r>
+              <a:rPr lang="en-US" dirty="0"/>
+              <a:t>Source Code – Code Composer</a:t>
+            </a:r>
+          </a:p>
+          <a:p>
+            <a:pPr marL="0" indent="0">
+              <a:buNone/>
+            </a:pPr>
+            <a:endParaRPr lang="en-US" dirty="0"/>
+          </a:p>
+          <a:p>
+            <a:pPr marL="0" indent="0">
+              <a:buNone/>
+            </a:pPr>
+            <a:endParaRPr lang="en-US" dirty="0"/>
+          </a:p>
+        </p:txBody>
+      </p:sp>
+      <p:pic>
+        <p:nvPicPr>
+          <p:cNvPr id="6" name="Picture 5">
+            <a:extLst>
+              <a:ext uri="{FF2B5EF4-FFF2-40B4-BE49-F238E27FC236}">
+                <a16:creationId xmlns:a16="http://schemas.microsoft.com/office/drawing/2014/main" id="{4E681BB4-C47A-4EC4-9808-876450D09291}"/>
+              </a:ext>
+            </a:extLst>
+          </p:cNvPr>
+          <p:cNvPicPr>
+            <a:picLocks noChangeAspect="1"/>
+          </p:cNvPicPr>
+          <p:nvPr/>
+        </p:nvPicPr>
+        <p:blipFill>
+          <a:blip r:embed="rId2"/>
+          <a:stretch>
+            <a:fillRect/>
+          </a:stretch>
+        </p:blipFill>
+        <p:spPr>
+          <a:xfrm>
+            <a:off x="6416715" y="129309"/>
+            <a:ext cx="5029617" cy="6345382"/>
+          </a:xfrm>
+          <a:prstGeom prst="rect">
+            <a:avLst/>
+          </a:prstGeom>
+        </p:spPr>
+      </p:pic>
     </p:spTree>
     <p:extLst>
       <p:ext uri="{BB962C8B-B14F-4D97-AF65-F5344CB8AC3E}">
-        <p14:creationId xmlns:p14="http://schemas.microsoft.com/office/powerpoint/2010/main" val="678187203"/>
+        <p14:creationId xmlns:p14="http://schemas.microsoft.com/office/powerpoint/2010/main" val="2547140534"/>
       </p:ext>
     </p:extLst>
   </p:cSld>
   <p:clrMapOvr>
     <a:masterClrMapping/>
   </p:clrMapOvr>
-  <p:timing>
-    <p:tnLst>
-      <p:par>
-        <p:cTn id="1" dur="indefinite" restart="never" nodeType="tmRoot"/>
-      </p:par>
-    </p:tnLst>
-  </p:timing>
 </p:sld>
 </file>
 
@@ -4699,138 +4858,6 @@
         </p:nvSpPr>
         <p:spPr>
           <a:xfrm>
-            <a:off x="1023871" y="284409"/>
-            <a:ext cx="2286000" cy="758244"/>
-          </a:xfrm>
-        </p:spPr>
-        <p:txBody>
-          <a:bodyPr/>
-          <a:lstStyle/>
-          <a:p>
-            <a:r>
-              <a:rPr lang="en-US" dirty="0" smtClean="0"/>
-              <a:t>Annexes</a:t>
-            </a:r>
-            <a:endParaRPr lang="en-US" dirty="0"/>
-          </a:p>
-        </p:txBody>
-      </p:sp>
-      <p:sp>
-        <p:nvSpPr>
-          <p:cNvPr id="3" name="Content Placeholder 2"/>
-          <p:cNvSpPr>
-            <a:spLocks noGrp="1"/>
-          </p:cNvSpPr>
-          <p:nvPr>
-            <p:ph idx="1"/>
-          </p:nvPr>
-        </p:nvSpPr>
-        <p:spPr>
-          <a:xfrm>
-            <a:off x="1023871" y="1822361"/>
-            <a:ext cx="4050406" cy="444321"/>
-          </a:xfrm>
-        </p:spPr>
-        <p:txBody>
-          <a:bodyPr/>
-          <a:lstStyle/>
-          <a:p>
-            <a:pPr marL="457200" indent="-457200">
-              <a:buFont typeface="+mj-lt"/>
-              <a:buAutoNum type="arabicPeriod"/>
-            </a:pPr>
-            <a:r>
-              <a:rPr lang="en-US" dirty="0" smtClean="0"/>
-              <a:t>Source Code – Code Composer</a:t>
-            </a:r>
-          </a:p>
-          <a:p>
-            <a:pPr marL="0" indent="0">
-              <a:buNone/>
-            </a:pPr>
-            <a:endParaRPr lang="en-US" dirty="0" smtClean="0"/>
-          </a:p>
-          <a:p>
-            <a:pPr marL="0" indent="0">
-              <a:buNone/>
-            </a:pPr>
-            <a:endParaRPr lang="en-US" dirty="0"/>
-          </a:p>
-        </p:txBody>
-      </p:sp>
-      <p:pic>
-        <p:nvPicPr>
-          <p:cNvPr id="4" name="Picture 3"/>
-          <p:cNvPicPr>
-            <a:picLocks noChangeAspect="1"/>
-          </p:cNvPicPr>
-          <p:nvPr/>
-        </p:nvPicPr>
-        <p:blipFill>
-          <a:blip r:embed="rId2"/>
-          <a:stretch>
-            <a:fillRect/>
-          </a:stretch>
-        </p:blipFill>
-        <p:spPr>
-          <a:xfrm>
-            <a:off x="5941385" y="663531"/>
-            <a:ext cx="5353387" cy="5662032"/>
-          </a:xfrm>
-          <a:prstGeom prst="rect">
-            <a:avLst/>
-          </a:prstGeom>
-        </p:spPr>
-      </p:pic>
-    </p:spTree>
-    <p:extLst>
-      <p:ext uri="{BB962C8B-B14F-4D97-AF65-F5344CB8AC3E}">
-        <p14:creationId xmlns:p14="http://schemas.microsoft.com/office/powerpoint/2010/main" val="2547140534"/>
-      </p:ext>
-    </p:extLst>
-  </p:cSld>
-  <p:clrMapOvr>
-    <a:masterClrMapping/>
-  </p:clrMapOvr>
-  <p:timing>
-    <p:tnLst>
-      <p:par>
-        <p:cTn id="1" dur="indefinite" restart="never" nodeType="tmRoot"/>
-      </p:par>
-    </p:tnLst>
-  </p:timing>
-</p:sld>
-</file>
-
-<file path=ppt/slides/slide8.xml><?xml version="1.0" encoding="utf-8"?>
-<p:sld xmlns:a="http://schemas.openxmlformats.org/drawingml/2006/main" xmlns:r="http://schemas.openxmlformats.org/officeDocument/2006/relationships" xmlns:p="http://schemas.openxmlformats.org/presentationml/2006/main">
-  <p:cSld>
-    <p:spTree>
-      <p:nvGrpSpPr>
-        <p:cNvPr id="1" name=""/>
-        <p:cNvGrpSpPr/>
-        <p:nvPr/>
-      </p:nvGrpSpPr>
-      <p:grpSpPr>
-        <a:xfrm>
-          <a:off x="0" y="0"/>
-          <a:ext cx="0" cy="0"/>
-          <a:chOff x="0" y="0"/>
-          <a:chExt cx="0" cy="0"/>
-        </a:xfrm>
-      </p:grpSpPr>
-      <p:sp>
-        <p:nvSpPr>
-          <p:cNvPr id="2" name="Title 1"/>
-          <p:cNvSpPr>
-            <a:spLocks noGrp="1"/>
-          </p:cNvSpPr>
-          <p:nvPr>
-            <p:ph type="title"/>
-          </p:nvPr>
-        </p:nvSpPr>
-        <p:spPr>
-          <a:xfrm>
             <a:off x="866103" y="114837"/>
             <a:ext cx="2649829" cy="992746"/>
           </a:xfrm>
@@ -4872,18 +4899,9 @@
               <a:buNone/>
             </a:pPr>
             <a:r>
-              <a:rPr lang="en-US" dirty="0" smtClean="0"/>
-              <a:t>2.    Source </a:t>
-            </a:r>
-            <a:r>
               <a:rPr lang="en-US" dirty="0"/>
-              <a:t>Code – </a:t>
-            </a:r>
-            <a:r>
-              <a:rPr lang="en-US" dirty="0" smtClean="0"/>
-              <a:t>Processing</a:t>
-            </a:r>
-            <a:endParaRPr lang="en-US" dirty="0"/>
+              <a:t>2.    Source Code – Processing</a:t>
+            </a:r>
           </a:p>
         </p:txBody>
       </p:sp>
@@ -4945,17 +4963,10 @@
   <p:clrMapOvr>
     <a:masterClrMapping/>
   </p:clrMapOvr>
-  <p:timing>
-    <p:tnLst>
-      <p:par>
-        <p:cTn id="1" dur="indefinite" restart="never" nodeType="tmRoot"/>
-      </p:par>
-    </p:tnLst>
-  </p:timing>
 </p:sld>
 </file>
 
-<file path=ppt/slides/slide9.xml><?xml version="1.0" encoding="utf-8"?>
+<file path=ppt/slides/slide8.xml><?xml version="1.0" encoding="utf-8"?>
 <p:sld xmlns:a="http://schemas.openxmlformats.org/drawingml/2006/main" xmlns:r="http://schemas.openxmlformats.org/officeDocument/2006/relationships" xmlns:p="http://schemas.openxmlformats.org/presentationml/2006/main">
   <p:cSld>
     <p:spTree>
@@ -5032,13 +5043,126 @@
   <p:clrMapOvr>
     <a:masterClrMapping/>
   </p:clrMapOvr>
-  <p:timing>
-    <p:tnLst>
-      <p:par>
-        <p:cTn id="1" dur="indefinite" restart="never" nodeType="tmRoot"/>
-      </p:par>
-    </p:tnLst>
-  </p:timing>
+</p:sld>
+</file>
+
+<file path=ppt/slides/slide9.xml><?xml version="1.0" encoding="utf-8"?>
+<p:sld xmlns:a="http://schemas.openxmlformats.org/drawingml/2006/main" xmlns:r="http://schemas.openxmlformats.org/officeDocument/2006/relationships" xmlns:p="http://schemas.openxmlformats.org/presentationml/2006/main">
+  <p:cSld>
+    <p:spTree>
+      <p:nvGrpSpPr>
+        <p:cNvPr id="1" name=""/>
+        <p:cNvGrpSpPr/>
+        <p:nvPr/>
+      </p:nvGrpSpPr>
+      <p:grpSpPr>
+        <a:xfrm>
+          <a:off x="0" y="0"/>
+          <a:ext cx="0" cy="0"/>
+          <a:chOff x="0" y="0"/>
+          <a:chExt cx="0" cy="0"/>
+        </a:xfrm>
+      </p:grpSpPr>
+      <p:sp>
+        <p:nvSpPr>
+          <p:cNvPr id="2" name="Title 1"/>
+          <p:cNvSpPr>
+            <a:spLocks noGrp="1"/>
+          </p:cNvSpPr>
+          <p:nvPr>
+            <p:ph type="title"/>
+          </p:nvPr>
+        </p:nvSpPr>
+        <p:spPr/>
+        <p:txBody>
+          <a:bodyPr/>
+          <a:lstStyle/>
+          <a:p>
+            <a:r>
+              <a:rPr lang="en-US" dirty="0"/>
+              <a:t>Bibliography</a:t>
+            </a:r>
+          </a:p>
+        </p:txBody>
+      </p:sp>
+      <p:sp>
+        <p:nvSpPr>
+          <p:cNvPr id="3" name="Content Placeholder 2"/>
+          <p:cNvSpPr>
+            <a:spLocks noGrp="1"/>
+          </p:cNvSpPr>
+          <p:nvPr>
+            <p:ph idx="1"/>
+          </p:nvPr>
+        </p:nvSpPr>
+        <p:spPr/>
+        <p:txBody>
+          <a:bodyPr/>
+          <a:lstStyle/>
+          <a:p>
+            <a:pPr marL="457200" indent="-457200">
+              <a:buFont typeface="+mj-lt"/>
+              <a:buAutoNum type="arabicPeriod"/>
+            </a:pPr>
+            <a:r>
+              <a:rPr lang="en-US" dirty="0">
+                <a:hlinkClick r:id="rId2"/>
+              </a:rPr>
+              <a:t>http://shukra.cedt.iisc.ernet.in/edwiki/EmSys:ADC_Programming_with_the_Tiva_TM4C123G</a:t>
+            </a:r>
+            <a:endParaRPr lang="en-US" dirty="0"/>
+          </a:p>
+          <a:p>
+            <a:pPr marL="457200" indent="-457200">
+              <a:buFont typeface="+mj-lt"/>
+              <a:buAutoNum type="arabicPeriod"/>
+            </a:pPr>
+            <a:r>
+              <a:rPr lang="en-US" dirty="0">
+                <a:hlinkClick r:id="rId3"/>
+              </a:rPr>
+              <a:t>https://www.engr.colostate.edu/ECE251/Labs/TM4C_datasheet_ADC.pdf</a:t>
+            </a:r>
+            <a:endParaRPr lang="en-US" dirty="0"/>
+          </a:p>
+          <a:p>
+            <a:pPr marL="457200" indent="-457200">
+              <a:buFont typeface="+mj-lt"/>
+              <a:buAutoNum type="arabicPeriod"/>
+            </a:pPr>
+            <a:r>
+              <a:rPr lang="en-US" dirty="0">
+                <a:hlinkClick r:id="rId4"/>
+              </a:rPr>
+              <a:t>https://processing.org/</a:t>
+            </a:r>
+            <a:endParaRPr lang="en-US" dirty="0"/>
+          </a:p>
+          <a:p>
+            <a:pPr marL="457200" indent="-457200">
+              <a:buFont typeface="+mj-lt"/>
+              <a:buAutoNum type="arabicPeriod"/>
+            </a:pPr>
+            <a:r>
+              <a:rPr lang="en-US" dirty="0">
+                <a:hlinkClick r:id="rId5"/>
+              </a:rPr>
+              <a:t>https://sites.google.com/site/luiselectronicprojects/tutorials/tiva-tutorials/tiva-adc/understanding-the-tiva-adc</a:t>
+            </a:r>
+            <a:endParaRPr lang="en-US" dirty="0"/>
+          </a:p>
+        </p:txBody>
+      </p:sp>
+    </p:spTree>
+    <p:extLst>
+      <p:ext uri="{BB962C8B-B14F-4D97-AF65-F5344CB8AC3E}">
+        <p14:creationId xmlns:p14="http://schemas.microsoft.com/office/powerpoint/2010/main" val="1075770607"/>
+      </p:ext>
+    </p:extLst>
+  </p:cSld>
+  <p:clrMapOvr>
+    <a:masterClrMapping/>
+  </p:clrMapOvr>
 </p:sld>
 </file>
 
